--- a/SE2018春-G17-设计阶段PPT.pptx
+++ b/SE2018春-G17-设计阶段PPT.pptx
@@ -5,25 +5,25 @@
     <p:sldMasterId id="2147483648" r:id="rId1"/>
   </p:sldMasterIdLst>
   <p:notesMasterIdLst>
-    <p:notesMasterId r:id="rId4"/>
+    <p:notesMasterId r:id="rId18"/>
   </p:notesMasterIdLst>
   <p:sldIdLst>
-    <p:sldId id="256" r:id="rId3"/>
-    <p:sldId id="257" r:id="rId5"/>
-    <p:sldId id="258" r:id="rId6"/>
-    <p:sldId id="259" r:id="rId7"/>
-    <p:sldId id="260" r:id="rId8"/>
-    <p:sldId id="262" r:id="rId9"/>
-    <p:sldId id="263" r:id="rId10"/>
-    <p:sldId id="264" r:id="rId11"/>
-    <p:sldId id="267" r:id="rId12"/>
-    <p:sldId id="268" r:id="rId13"/>
-    <p:sldId id="269" r:id="rId14"/>
-    <p:sldId id="266" r:id="rId15"/>
-    <p:sldId id="270" r:id="rId16"/>
-    <p:sldId id="275" r:id="rId17"/>
-    <p:sldId id="273" r:id="rId18"/>
-    <p:sldId id="274" r:id="rId19"/>
+    <p:sldId id="256" r:id="rId2"/>
+    <p:sldId id="257" r:id="rId3"/>
+    <p:sldId id="258" r:id="rId4"/>
+    <p:sldId id="259" r:id="rId5"/>
+    <p:sldId id="260" r:id="rId6"/>
+    <p:sldId id="262" r:id="rId7"/>
+    <p:sldId id="263" r:id="rId8"/>
+    <p:sldId id="264" r:id="rId9"/>
+    <p:sldId id="267" r:id="rId10"/>
+    <p:sldId id="268" r:id="rId11"/>
+    <p:sldId id="269" r:id="rId12"/>
+    <p:sldId id="266" r:id="rId13"/>
+    <p:sldId id="270" r:id="rId14"/>
+    <p:sldId id="275" r:id="rId15"/>
+    <p:sldId id="273" r:id="rId16"/>
+    <p:sldId id="274" r:id="rId17"/>
   </p:sldIdLst>
   <p:sldSz cx="12192000" cy="6858000"/>
   <p:notesSz cx="6858000" cy="9144000"/>
@@ -207,6 +207,7 @@
           <a:p>
             <a:fld id="{D2A48B96-639E-45A3-A0BA-2464DFDB1FAA}" type="datetimeFigureOut">
               <a:rPr lang="zh-CN" altLang="en-US" smtClean="0"/>
+              <a:t>2018/5/16</a:t>
             </a:fld>
             <a:endParaRPr lang="zh-CN" altLang="en-US"/>
           </a:p>
@@ -273,7 +274,6 @@
               <a:rPr lang="zh-CN" altLang="en-US" smtClean="0"/>
               <a:t>单击此处编辑母版文本样式</a:t>
             </a:r>
-            <a:endParaRPr lang="zh-CN" altLang="en-US" smtClean="0"/>
           </a:p>
           <a:p>
             <a:pPr lvl="1"/>
@@ -281,7 +281,6 @@
               <a:rPr lang="zh-CN" altLang="en-US" smtClean="0"/>
               <a:t>第二级</a:t>
             </a:r>
-            <a:endParaRPr lang="zh-CN" altLang="en-US" smtClean="0"/>
           </a:p>
           <a:p>
             <a:pPr lvl="2"/>
@@ -289,7 +288,6 @@
               <a:rPr lang="zh-CN" altLang="en-US" smtClean="0"/>
               <a:t>第三级</a:t>
             </a:r>
-            <a:endParaRPr lang="zh-CN" altLang="en-US" smtClean="0"/>
           </a:p>
           <a:p>
             <a:pPr lvl="3"/>
@@ -297,7 +295,6 @@
               <a:rPr lang="zh-CN" altLang="en-US" smtClean="0"/>
               <a:t>第四级</a:t>
             </a:r>
-            <a:endParaRPr lang="zh-CN" altLang="en-US" smtClean="0"/>
           </a:p>
           <a:p>
             <a:pPr lvl="4"/>
@@ -369,12 +366,18 @@
           <a:p>
             <a:fld id="{A6837353-30EB-4A48-80EB-173D804AEFBD}" type="slidenum">
               <a:rPr lang="zh-CN" altLang="en-US" smtClean="0"/>
+              <a:t>‹#›</a:t>
             </a:fld>
             <a:endParaRPr lang="zh-CN" altLang="en-US"/>
           </a:p>
         </p:txBody>
       </p:sp>
     </p:spTree>
+    <p:extLst>
+      <p:ext uri="{BB962C8B-B14F-4D97-AF65-F5344CB8AC3E}">
+        <p14:creationId xmlns:p14="http://schemas.microsoft.com/office/powerpoint/2010/main" val="1596729859"/>
+      </p:ext>
+    </p:extLst>
   </p:cSld>
   <p:clrMap bg1="lt1" tx1="dk1" bg2="lt2" tx2="dk2" accent1="accent1" accent2="accent2" accent3="accent3" accent4="accent4" accent5="accent5" accent6="accent6" hlink="hlink" folHlink="folHlink"/>
   <p:notesStyle>
@@ -537,6 +540,7 @@
           <a:p>
             <a:fld id="{74AC173A-3DA8-4893-B28A-1E15F55C330A}" type="slidenum">
               <a:rPr lang="zh-CN" altLang="en-US" smtClean="0"/>
+              <a:t>1</a:t>
             </a:fld>
             <a:endParaRPr lang="zh-CN" altLang="en-US"/>
           </a:p>
@@ -615,6 +619,7 @@
           <a:p>
             <a:fld id="{74AC173A-3DA8-4893-B28A-1E15F55C330A}" type="slidenum">
               <a:rPr lang="zh-CN" altLang="en-US" smtClean="0"/>
+              <a:t>2</a:t>
             </a:fld>
             <a:endParaRPr lang="zh-CN" altLang="en-US"/>
           </a:p>
@@ -693,6 +698,7 @@
           <a:p>
             <a:fld id="{74AC173A-3DA8-4893-B28A-1E15F55C330A}" type="slidenum">
               <a:rPr lang="zh-CN" altLang="en-US" smtClean="0"/>
+              <a:t>3</a:t>
             </a:fld>
             <a:endParaRPr lang="zh-CN" altLang="en-US"/>
           </a:p>
@@ -771,6 +777,7 @@
           <a:p>
             <a:fld id="{74AC173A-3DA8-4893-B28A-1E15F55C330A}" type="slidenum">
               <a:rPr lang="zh-CN" altLang="en-US" smtClean="0"/>
+              <a:t>4</a:t>
             </a:fld>
             <a:endParaRPr lang="zh-CN" altLang="en-US"/>
           </a:p>
@@ -849,6 +856,7 @@
           <a:p>
             <a:fld id="{6E611DA1-5E4C-4157-8D98-35F52756B2FB}" type="slidenum">
               <a:rPr lang="zh-CN" altLang="en-US" smtClean="0"/>
+              <a:t>5</a:t>
             </a:fld>
             <a:endParaRPr lang="zh-CN" altLang="en-US"/>
           </a:p>
@@ -993,6 +1001,7 @@
           <a:p>
             <a:fld id="{D997B5FA-0921-464F-AAE1-844C04324D75}" type="datetimeFigureOut">
               <a:rPr lang="zh-CN" altLang="en-US" smtClean="0"/>
+              <a:t>2018/5/16</a:t>
             </a:fld>
             <a:endParaRPr lang="zh-CN" altLang="en-US"/>
           </a:p>
@@ -1034,6 +1043,7 @@
           <a:p>
             <a:fld id="{565CE74E-AB26-4998-AD42-012C4C1AD076}" type="slidenum">
               <a:rPr lang="zh-CN" altLang="en-US" smtClean="0"/>
+              <a:t>‹#›</a:t>
             </a:fld>
             <a:endParaRPr lang="zh-CN" altLang="en-US"/>
           </a:p>
@@ -1107,7 +1117,6 @@
               <a:rPr lang="zh-CN" altLang="en-US" smtClean="0"/>
               <a:t>单击此处编辑母版文本样式</a:t>
             </a:r>
-            <a:endParaRPr lang="zh-CN" altLang="en-US" smtClean="0"/>
           </a:p>
           <a:p>
             <a:pPr lvl="1"/>
@@ -1115,7 +1124,6 @@
               <a:rPr lang="zh-CN" altLang="en-US" smtClean="0"/>
               <a:t>第二级</a:t>
             </a:r>
-            <a:endParaRPr lang="zh-CN" altLang="en-US" smtClean="0"/>
           </a:p>
           <a:p>
             <a:pPr lvl="2"/>
@@ -1123,7 +1131,6 @@
               <a:rPr lang="zh-CN" altLang="en-US" smtClean="0"/>
               <a:t>第三级</a:t>
             </a:r>
-            <a:endParaRPr lang="zh-CN" altLang="en-US" smtClean="0"/>
           </a:p>
           <a:p>
             <a:pPr lvl="3"/>
@@ -1131,7 +1138,6 @@
               <a:rPr lang="zh-CN" altLang="en-US" smtClean="0"/>
               <a:t>第四级</a:t>
             </a:r>
-            <a:endParaRPr lang="zh-CN" altLang="en-US" smtClean="0"/>
           </a:p>
           <a:p>
             <a:pPr lvl="4"/>
@@ -1160,6 +1166,7 @@
           <a:p>
             <a:fld id="{D997B5FA-0921-464F-AAE1-844C04324D75}" type="datetimeFigureOut">
               <a:rPr lang="zh-CN" altLang="en-US" smtClean="0"/>
+              <a:t>2018/5/16</a:t>
             </a:fld>
             <a:endParaRPr lang="zh-CN" altLang="en-US"/>
           </a:p>
@@ -1201,6 +1208,7 @@
           <a:p>
             <a:fld id="{565CE74E-AB26-4998-AD42-012C4C1AD076}" type="slidenum">
               <a:rPr lang="zh-CN" altLang="en-US" smtClean="0"/>
+              <a:t>‹#›</a:t>
             </a:fld>
             <a:endParaRPr lang="zh-CN" altLang="en-US"/>
           </a:p>
@@ -1284,7 +1292,6 @@
               <a:rPr lang="zh-CN" altLang="en-US" smtClean="0"/>
               <a:t>单击此处编辑母版文本样式</a:t>
             </a:r>
-            <a:endParaRPr lang="zh-CN" altLang="en-US" smtClean="0"/>
           </a:p>
           <a:p>
             <a:pPr lvl="1"/>
@@ -1292,7 +1299,6 @@
               <a:rPr lang="zh-CN" altLang="en-US" smtClean="0"/>
               <a:t>第二级</a:t>
             </a:r>
-            <a:endParaRPr lang="zh-CN" altLang="en-US" smtClean="0"/>
           </a:p>
           <a:p>
             <a:pPr lvl="2"/>
@@ -1300,7 +1306,6 @@
               <a:rPr lang="zh-CN" altLang="en-US" smtClean="0"/>
               <a:t>第三级</a:t>
             </a:r>
-            <a:endParaRPr lang="zh-CN" altLang="en-US" smtClean="0"/>
           </a:p>
           <a:p>
             <a:pPr lvl="3"/>
@@ -1308,7 +1313,6 @@
               <a:rPr lang="zh-CN" altLang="en-US" smtClean="0"/>
               <a:t>第四级</a:t>
             </a:r>
-            <a:endParaRPr lang="zh-CN" altLang="en-US" smtClean="0"/>
           </a:p>
           <a:p>
             <a:pPr lvl="4"/>
@@ -1337,6 +1341,7 @@
           <a:p>
             <a:fld id="{D997B5FA-0921-464F-AAE1-844C04324D75}" type="datetimeFigureOut">
               <a:rPr lang="zh-CN" altLang="en-US" smtClean="0"/>
+              <a:t>2018/5/16</a:t>
             </a:fld>
             <a:endParaRPr lang="zh-CN" altLang="en-US"/>
           </a:p>
@@ -1378,6 +1383,7 @@
           <a:p>
             <a:fld id="{565CE74E-AB26-4998-AD42-012C4C1AD076}" type="slidenum">
               <a:rPr lang="zh-CN" altLang="en-US" smtClean="0"/>
+              <a:t>‹#›</a:t>
             </a:fld>
             <a:endParaRPr lang="zh-CN" altLang="en-US"/>
           </a:p>
@@ -1494,7 +1500,6 @@
               <a:rPr lang="zh-CN" altLang="en-US" smtClean="0"/>
               <a:t>单击此处编辑母版文本样式</a:t>
             </a:r>
-            <a:endParaRPr lang="zh-CN" altLang="en-US" smtClean="0"/>
           </a:p>
           <a:p>
             <a:pPr lvl="1"/>
@@ -1502,7 +1507,6 @@
               <a:rPr lang="zh-CN" altLang="en-US" smtClean="0"/>
               <a:t>第二级</a:t>
             </a:r>
-            <a:endParaRPr lang="zh-CN" altLang="en-US" smtClean="0"/>
           </a:p>
           <a:p>
             <a:pPr lvl="2"/>
@@ -1510,7 +1514,6 @@
               <a:rPr lang="zh-CN" altLang="en-US" smtClean="0"/>
               <a:t>第三级</a:t>
             </a:r>
-            <a:endParaRPr lang="zh-CN" altLang="en-US" smtClean="0"/>
           </a:p>
           <a:p>
             <a:pPr lvl="3"/>
@@ -1518,7 +1521,6 @@
               <a:rPr lang="zh-CN" altLang="en-US" smtClean="0"/>
               <a:t>第四级</a:t>
             </a:r>
-            <a:endParaRPr lang="zh-CN" altLang="en-US" smtClean="0"/>
           </a:p>
           <a:p>
             <a:pPr lvl="4"/>
@@ -1547,6 +1549,7 @@
           <a:p>
             <a:fld id="{D997B5FA-0921-464F-AAE1-844C04324D75}" type="datetimeFigureOut">
               <a:rPr lang="zh-CN" altLang="en-US" smtClean="0"/>
+              <a:t>2018/5/16</a:t>
             </a:fld>
             <a:endParaRPr lang="zh-CN" altLang="en-US"/>
           </a:p>
@@ -1588,6 +1591,7 @@
           <a:p>
             <a:fld id="{565CE74E-AB26-4998-AD42-012C4C1AD076}" type="slidenum">
               <a:rPr lang="zh-CN" altLang="en-US" smtClean="0"/>
+              <a:t>‹#›</a:t>
             </a:fld>
             <a:endParaRPr lang="zh-CN" altLang="en-US"/>
           </a:p>
@@ -1766,7 +1770,6 @@
               <a:rPr lang="zh-CN" altLang="en-US" smtClean="0"/>
               <a:t>单击此处编辑母版文本样式</a:t>
             </a:r>
-            <a:endParaRPr lang="zh-CN" altLang="en-US" smtClean="0"/>
           </a:p>
         </p:txBody>
       </p:sp>
@@ -1787,6 +1790,7 @@
           <a:p>
             <a:fld id="{D997B5FA-0921-464F-AAE1-844C04324D75}" type="datetimeFigureOut">
               <a:rPr lang="zh-CN" altLang="en-US" smtClean="0"/>
+              <a:t>2018/5/16</a:t>
             </a:fld>
             <a:endParaRPr lang="zh-CN" altLang="en-US"/>
           </a:p>
@@ -1828,6 +1832,7 @@
           <a:p>
             <a:fld id="{565CE74E-AB26-4998-AD42-012C4C1AD076}" type="slidenum">
               <a:rPr lang="zh-CN" altLang="en-US" smtClean="0"/>
+              <a:t>‹#›</a:t>
             </a:fld>
             <a:endParaRPr lang="zh-CN" altLang="en-US"/>
           </a:p>
@@ -1906,7 +1911,6 @@
               <a:rPr lang="zh-CN" altLang="en-US" smtClean="0"/>
               <a:t>单击此处编辑母版文本样式</a:t>
             </a:r>
-            <a:endParaRPr lang="zh-CN" altLang="en-US" smtClean="0"/>
           </a:p>
           <a:p>
             <a:pPr lvl="1"/>
@@ -1914,7 +1918,6 @@
               <a:rPr lang="zh-CN" altLang="en-US" smtClean="0"/>
               <a:t>第二级</a:t>
             </a:r>
-            <a:endParaRPr lang="zh-CN" altLang="en-US" smtClean="0"/>
           </a:p>
           <a:p>
             <a:pPr lvl="2"/>
@@ -1922,7 +1925,6 @@
               <a:rPr lang="zh-CN" altLang="en-US" smtClean="0"/>
               <a:t>第三级</a:t>
             </a:r>
-            <a:endParaRPr lang="zh-CN" altLang="en-US" smtClean="0"/>
           </a:p>
           <a:p>
             <a:pPr lvl="3"/>
@@ -1930,7 +1932,6 @@
               <a:rPr lang="zh-CN" altLang="en-US" smtClean="0"/>
               <a:t>第四级</a:t>
             </a:r>
-            <a:endParaRPr lang="zh-CN" altLang="en-US" smtClean="0"/>
           </a:p>
           <a:p>
             <a:pPr lvl="4"/>
@@ -1967,7 +1968,6 @@
               <a:rPr lang="zh-CN" altLang="en-US" smtClean="0"/>
               <a:t>单击此处编辑母版文本样式</a:t>
             </a:r>
-            <a:endParaRPr lang="zh-CN" altLang="en-US" smtClean="0"/>
           </a:p>
           <a:p>
             <a:pPr lvl="1"/>
@@ -1975,7 +1975,6 @@
               <a:rPr lang="zh-CN" altLang="en-US" smtClean="0"/>
               <a:t>第二级</a:t>
             </a:r>
-            <a:endParaRPr lang="zh-CN" altLang="en-US" smtClean="0"/>
           </a:p>
           <a:p>
             <a:pPr lvl="2"/>
@@ -1983,7 +1982,6 @@
               <a:rPr lang="zh-CN" altLang="en-US" smtClean="0"/>
               <a:t>第三级</a:t>
             </a:r>
-            <a:endParaRPr lang="zh-CN" altLang="en-US" smtClean="0"/>
           </a:p>
           <a:p>
             <a:pPr lvl="3"/>
@@ -1991,7 +1989,6 @@
               <a:rPr lang="zh-CN" altLang="en-US" smtClean="0"/>
               <a:t>第四级</a:t>
             </a:r>
-            <a:endParaRPr lang="zh-CN" altLang="en-US" smtClean="0"/>
           </a:p>
           <a:p>
             <a:pPr lvl="4"/>
@@ -2020,6 +2017,7 @@
           <a:p>
             <a:fld id="{D997B5FA-0921-464F-AAE1-844C04324D75}" type="datetimeFigureOut">
               <a:rPr lang="zh-CN" altLang="en-US" smtClean="0"/>
+              <a:t>2018/5/16</a:t>
             </a:fld>
             <a:endParaRPr lang="zh-CN" altLang="en-US"/>
           </a:p>
@@ -2061,6 +2059,7 @@
           <a:p>
             <a:fld id="{565CE74E-AB26-4998-AD42-012C4C1AD076}" type="slidenum">
               <a:rPr lang="zh-CN" altLang="en-US" smtClean="0"/>
+              <a:t>‹#›</a:t>
             </a:fld>
             <a:endParaRPr lang="zh-CN" altLang="en-US"/>
           </a:p>
@@ -2181,7 +2180,6 @@
               <a:rPr lang="zh-CN" altLang="en-US" smtClean="0"/>
               <a:t>单击此处编辑母版文本样式</a:t>
             </a:r>
-            <a:endParaRPr lang="zh-CN" altLang="en-US" smtClean="0"/>
           </a:p>
         </p:txBody>
       </p:sp>
@@ -2210,7 +2208,6 @@
               <a:rPr lang="zh-CN" altLang="en-US" smtClean="0"/>
               <a:t>单击此处编辑母版文本样式</a:t>
             </a:r>
-            <a:endParaRPr lang="zh-CN" altLang="en-US" smtClean="0"/>
           </a:p>
           <a:p>
             <a:pPr lvl="1"/>
@@ -2218,7 +2215,6 @@
               <a:rPr lang="zh-CN" altLang="en-US" smtClean="0"/>
               <a:t>第二级</a:t>
             </a:r>
-            <a:endParaRPr lang="zh-CN" altLang="en-US" smtClean="0"/>
           </a:p>
           <a:p>
             <a:pPr lvl="2"/>
@@ -2226,7 +2222,6 @@
               <a:rPr lang="zh-CN" altLang="en-US" smtClean="0"/>
               <a:t>第三级</a:t>
             </a:r>
-            <a:endParaRPr lang="zh-CN" altLang="en-US" smtClean="0"/>
           </a:p>
           <a:p>
             <a:pPr lvl="3"/>
@@ -2234,7 +2229,6 @@
               <a:rPr lang="zh-CN" altLang="en-US" smtClean="0"/>
               <a:t>第四级</a:t>
             </a:r>
-            <a:endParaRPr lang="zh-CN" altLang="en-US" smtClean="0"/>
           </a:p>
           <a:p>
             <a:pPr lvl="4"/>
@@ -2308,7 +2302,6 @@
               <a:rPr lang="zh-CN" altLang="en-US" smtClean="0"/>
               <a:t>单击此处编辑母版文本样式</a:t>
             </a:r>
-            <a:endParaRPr lang="zh-CN" altLang="en-US" smtClean="0"/>
           </a:p>
         </p:txBody>
       </p:sp>
@@ -2337,7 +2330,6 @@
               <a:rPr lang="zh-CN" altLang="en-US" smtClean="0"/>
               <a:t>单击此处编辑母版文本样式</a:t>
             </a:r>
-            <a:endParaRPr lang="zh-CN" altLang="en-US" smtClean="0"/>
           </a:p>
           <a:p>
             <a:pPr lvl="1"/>
@@ -2345,7 +2337,6 @@
               <a:rPr lang="zh-CN" altLang="en-US" smtClean="0"/>
               <a:t>第二级</a:t>
             </a:r>
-            <a:endParaRPr lang="zh-CN" altLang="en-US" smtClean="0"/>
           </a:p>
           <a:p>
             <a:pPr lvl="2"/>
@@ -2353,7 +2344,6 @@
               <a:rPr lang="zh-CN" altLang="en-US" smtClean="0"/>
               <a:t>第三级</a:t>
             </a:r>
-            <a:endParaRPr lang="zh-CN" altLang="en-US" smtClean="0"/>
           </a:p>
           <a:p>
             <a:pPr lvl="3"/>
@@ -2361,7 +2351,6 @@
               <a:rPr lang="zh-CN" altLang="en-US" smtClean="0"/>
               <a:t>第四级</a:t>
             </a:r>
-            <a:endParaRPr lang="zh-CN" altLang="en-US" smtClean="0"/>
           </a:p>
           <a:p>
             <a:pPr lvl="4"/>
@@ -2390,6 +2379,7 @@
           <a:p>
             <a:fld id="{D997B5FA-0921-464F-AAE1-844C04324D75}" type="datetimeFigureOut">
               <a:rPr lang="zh-CN" altLang="en-US" smtClean="0"/>
+              <a:t>2018/5/16</a:t>
             </a:fld>
             <a:endParaRPr lang="zh-CN" altLang="en-US"/>
           </a:p>
@@ -2431,6 +2421,7 @@
           <a:p>
             <a:fld id="{565CE74E-AB26-4998-AD42-012C4C1AD076}" type="slidenum">
               <a:rPr lang="zh-CN" altLang="en-US" smtClean="0"/>
+              <a:t>‹#›</a:t>
             </a:fld>
             <a:endParaRPr lang="zh-CN" altLang="en-US"/>
           </a:p>
@@ -2501,6 +2492,7 @@
           <a:p>
             <a:fld id="{D997B5FA-0921-464F-AAE1-844C04324D75}" type="datetimeFigureOut">
               <a:rPr lang="zh-CN" altLang="en-US" smtClean="0"/>
+              <a:t>2018/5/16</a:t>
             </a:fld>
             <a:endParaRPr lang="zh-CN" altLang="en-US"/>
           </a:p>
@@ -2542,6 +2534,7 @@
           <a:p>
             <a:fld id="{565CE74E-AB26-4998-AD42-012C4C1AD076}" type="slidenum">
               <a:rPr lang="zh-CN" altLang="en-US" smtClean="0"/>
+              <a:t>‹#›</a:t>
             </a:fld>
             <a:endParaRPr lang="zh-CN" altLang="en-US"/>
           </a:p>
@@ -2589,6 +2582,7 @@
           <a:p>
             <a:fld id="{D997B5FA-0921-464F-AAE1-844C04324D75}" type="datetimeFigureOut">
               <a:rPr lang="zh-CN" altLang="en-US" smtClean="0"/>
+              <a:t>2018/5/16</a:t>
             </a:fld>
             <a:endParaRPr lang="zh-CN" altLang="en-US"/>
           </a:p>
@@ -2630,6 +2624,7 @@
           <a:p>
             <a:fld id="{565CE74E-AB26-4998-AD42-012C4C1AD076}" type="slidenum">
               <a:rPr lang="zh-CN" altLang="en-US" smtClean="0"/>
+              <a:t>‹#›</a:t>
             </a:fld>
             <a:endParaRPr lang="zh-CN" altLang="en-US"/>
           </a:p>
@@ -2745,7 +2740,6 @@
               <a:rPr lang="zh-CN" altLang="en-US" smtClean="0"/>
               <a:t>单击此处编辑母版文本样式</a:t>
             </a:r>
-            <a:endParaRPr lang="zh-CN" altLang="en-US" smtClean="0"/>
           </a:p>
           <a:p>
             <a:pPr lvl="1"/>
@@ -2753,7 +2747,6 @@
               <a:rPr lang="zh-CN" altLang="en-US" smtClean="0"/>
               <a:t>第二级</a:t>
             </a:r>
-            <a:endParaRPr lang="zh-CN" altLang="en-US" smtClean="0"/>
           </a:p>
           <a:p>
             <a:pPr lvl="2"/>
@@ -2761,7 +2754,6 @@
               <a:rPr lang="zh-CN" altLang="en-US" smtClean="0"/>
               <a:t>第三级</a:t>
             </a:r>
-            <a:endParaRPr lang="zh-CN" altLang="en-US" smtClean="0"/>
           </a:p>
           <a:p>
             <a:pPr lvl="3"/>
@@ -2769,7 +2761,6 @@
               <a:rPr lang="zh-CN" altLang="en-US" smtClean="0"/>
               <a:t>第四级</a:t>
             </a:r>
-            <a:endParaRPr lang="zh-CN" altLang="en-US" smtClean="0"/>
           </a:p>
           <a:p>
             <a:pPr lvl="4"/>
@@ -2843,7 +2834,6 @@
               <a:rPr lang="zh-CN" altLang="en-US" smtClean="0"/>
               <a:t>单击此处编辑母版文本样式</a:t>
             </a:r>
-            <a:endParaRPr lang="zh-CN" altLang="en-US" smtClean="0"/>
           </a:p>
         </p:txBody>
       </p:sp>
@@ -2864,6 +2854,7 @@
           <a:p>
             <a:fld id="{D997B5FA-0921-464F-AAE1-844C04324D75}" type="datetimeFigureOut">
               <a:rPr lang="zh-CN" altLang="en-US" smtClean="0"/>
+              <a:t>2018/5/16</a:t>
             </a:fld>
             <a:endParaRPr lang="zh-CN" altLang="en-US"/>
           </a:p>
@@ -2905,6 +2896,7 @@
           <a:p>
             <a:fld id="{565CE74E-AB26-4998-AD42-012C4C1AD076}" type="slidenum">
               <a:rPr lang="zh-CN" altLang="en-US" smtClean="0"/>
+              <a:t>‹#›</a:t>
             </a:fld>
             <a:endParaRPr lang="zh-CN" altLang="en-US"/>
           </a:p>
@@ -3090,7 +3082,6 @@
               <a:rPr lang="zh-CN" altLang="en-US" smtClean="0"/>
               <a:t>单击此处编辑母版文本样式</a:t>
             </a:r>
-            <a:endParaRPr lang="zh-CN" altLang="en-US" smtClean="0"/>
           </a:p>
         </p:txBody>
       </p:sp>
@@ -3111,6 +3102,7 @@
           <a:p>
             <a:fld id="{D997B5FA-0921-464F-AAE1-844C04324D75}" type="datetimeFigureOut">
               <a:rPr lang="zh-CN" altLang="en-US" smtClean="0"/>
+              <a:t>2018/5/16</a:t>
             </a:fld>
             <a:endParaRPr lang="zh-CN" altLang="en-US"/>
           </a:p>
@@ -3152,6 +3144,7 @@
           <a:p>
             <a:fld id="{565CE74E-AB26-4998-AD42-012C4C1AD076}" type="slidenum">
               <a:rPr lang="zh-CN" altLang="en-US" smtClean="0"/>
+              <a:t>‹#›</a:t>
             </a:fld>
             <a:endParaRPr lang="zh-CN" altLang="en-US"/>
           </a:p>
@@ -3250,7 +3243,6 @@
               <a:rPr lang="zh-CN" altLang="en-US" smtClean="0"/>
               <a:t>单击此处编辑母版文本样式</a:t>
             </a:r>
-            <a:endParaRPr lang="zh-CN" altLang="en-US" smtClean="0"/>
           </a:p>
           <a:p>
             <a:pPr lvl="1"/>
@@ -3258,7 +3250,6 @@
               <a:rPr lang="zh-CN" altLang="en-US" smtClean="0"/>
               <a:t>第二级</a:t>
             </a:r>
-            <a:endParaRPr lang="zh-CN" altLang="en-US" smtClean="0"/>
           </a:p>
           <a:p>
             <a:pPr lvl="2"/>
@@ -3266,7 +3257,6 @@
               <a:rPr lang="zh-CN" altLang="en-US" smtClean="0"/>
               <a:t>第三级</a:t>
             </a:r>
-            <a:endParaRPr lang="zh-CN" altLang="en-US" smtClean="0"/>
           </a:p>
           <a:p>
             <a:pPr lvl="3"/>
@@ -3274,7 +3264,6 @@
               <a:rPr lang="zh-CN" altLang="en-US" smtClean="0"/>
               <a:t>第四级</a:t>
             </a:r>
-            <a:endParaRPr lang="zh-CN" altLang="en-US" smtClean="0"/>
           </a:p>
           <a:p>
             <a:pPr lvl="4"/>
@@ -3321,6 +3310,7 @@
           <a:p>
             <a:fld id="{D997B5FA-0921-464F-AAE1-844C04324D75}" type="datetimeFigureOut">
               <a:rPr lang="zh-CN" altLang="en-US" smtClean="0"/>
+              <a:t>2018/5/16</a:t>
             </a:fld>
             <a:endParaRPr lang="zh-CN" altLang="en-US"/>
           </a:p>
@@ -3398,6 +3388,7 @@
           <a:p>
             <a:fld id="{565CE74E-AB26-4998-AD42-012C4C1AD076}" type="slidenum">
               <a:rPr lang="zh-CN" altLang="en-US" smtClean="0"/>
+              <a:t>‹#›</a:t>
             </a:fld>
             <a:endParaRPr lang="zh-CN" altLang="en-US"/>
           </a:p>
@@ -4190,13 +4181,6 @@
               </a:rPr>
               <a:t>问酒</a:t>
             </a:r>
-            <a:endParaRPr lang="zh-CN" altLang="en-US" sz="12800" dirty="0">
-              <a:solidFill>
-                <a:srgbClr val="38B1BF"/>
-              </a:solidFill>
-              <a:latin typeface="微软雅黑" panose="020B0503020204020204" pitchFamily="34" charset="-122"/>
-              <a:ea typeface="微软雅黑" panose="020B0503020204020204" pitchFamily="34" charset="-122"/>
-            </a:endParaRPr>
           </a:p>
         </p:txBody>
       </p:sp>
@@ -4288,16 +4272,6 @@
               </a:rPr>
               <a:t>小组</a:t>
             </a:r>
-            <a:endParaRPr lang="zh-CN" altLang="en-US" sz="1900" dirty="0">
-              <a:solidFill>
-                <a:schemeClr val="tx1">
-                  <a:lumMod val="85000"/>
-                  <a:lumOff val="15000"/>
-                </a:schemeClr>
-              </a:solidFill>
-              <a:latin typeface="微软雅黑" panose="020B0503020204020204" pitchFamily="34" charset="-122"/>
-              <a:ea typeface="微软雅黑" panose="020B0503020204020204" pitchFamily="34" charset="-122"/>
-            </a:endParaRPr>
           </a:p>
         </p:txBody>
       </p:sp>
@@ -4361,16 +4335,6 @@
               </a:rPr>
               <a:t>APP</a:t>
             </a:r>
-            <a:endParaRPr lang="en-US" altLang="zh-CN" sz="3600" b="1" dirty="0">
-              <a:solidFill>
-                <a:schemeClr val="tx1">
-                  <a:lumMod val="75000"/>
-                  <a:lumOff val="25000"/>
-                </a:schemeClr>
-              </a:solidFill>
-              <a:latin typeface="微软雅黑" panose="020B0503020204020204" pitchFamily="34" charset="-122"/>
-              <a:ea typeface="微软雅黑" panose="020B0503020204020204" pitchFamily="34" charset="-122"/>
-            </a:endParaRPr>
           </a:p>
         </p:txBody>
       </p:sp>
@@ -4475,16 +4439,6 @@
               </a:rPr>
               <a:t>日</a:t>
             </a:r>
-            <a:endParaRPr lang="zh-CN" altLang="en-US" sz="1900" dirty="0">
-              <a:solidFill>
-                <a:schemeClr val="tx1">
-                  <a:lumMod val="85000"/>
-                  <a:lumOff val="15000"/>
-                </a:schemeClr>
-              </a:solidFill>
-              <a:latin typeface="微软雅黑" panose="020B0503020204020204" pitchFamily="34" charset="-122"/>
-              <a:ea typeface="微软雅黑" panose="020B0503020204020204" pitchFamily="34" charset="-122"/>
-            </a:endParaRPr>
           </a:p>
         </p:txBody>
       </p:sp>
@@ -4532,16 +4486,16 @@
             <a:picLocks noChangeAspect="1"/>
           </p:cNvPicPr>
           <p:nvPr>
-            <a:audioFile r:link="rId1"/>
+            <a:audioFile r:link="rId2"/>
             <p:extLst>
               <p:ext uri="{DAA4B4D4-6D71-4841-9C94-3DE7FCFB9230}">
-                <p14:media xmlns:p14="http://schemas.microsoft.com/office/powerpoint/2010/main" r:embed="rId2"/>
+                <p14:media xmlns:p14="http://schemas.microsoft.com/office/powerpoint/2010/main" r:embed="rId1"/>
               </p:ext>
             </p:extLst>
           </p:nvPr>
         </p:nvPicPr>
         <p:blipFill>
-          <a:blip r:embed="rId3"/>
+          <a:blip r:embed="rId5"/>
           <a:stretch>
             <a:fillRect/>
           </a:stretch>
@@ -4589,14 +4543,6 @@
               </a:rPr>
               <a:t>浙江大学城市学院</a:t>
             </a:r>
-            <a:endParaRPr lang="zh-CN" altLang="en-US" kern="300" spc="2000">
-              <a:solidFill>
-                <a:schemeClr val="tx1"/>
-              </a:solidFill>
-              <a:uFillTx/>
-              <a:latin typeface="+中文标题" charset="0"/>
-              <a:ea typeface="+mj-ea"/>
-            </a:endParaRPr>
           </a:p>
         </p:txBody>
       </p:sp>
@@ -4605,13 +4551,13 @@
   <p:clrMapOvr>
     <a:masterClrMapping/>
   </p:clrMapOvr>
-  <mc:AlternateContent xmlns:mc="http://schemas.openxmlformats.org/markup-compatibility/2006">
-    <mc:Choice xmlns:p14="http://schemas.microsoft.com/office/powerpoint/2010/main" Requires="p14">
+  <mc:AlternateContent xmlns:mc="http://schemas.openxmlformats.org/markup-compatibility/2006" xmlns:p14="http://schemas.microsoft.com/office/powerpoint/2010/main">
+    <mc:Choice Requires="p14">
       <p:transition spd="slow" p14:dur="1600" advClick="0" advTm="0">
         <p:blinds dir="vert"/>
       </p:transition>
     </mc:Choice>
-    <mc:Fallback>
+    <mc:Fallback xmlns="">
       <p:transition spd="slow" advClick="0" advTm="0">
         <p:blinds dir="vert"/>
       </p:transition>
@@ -5640,33 +5586,28 @@
               </a:rPr>
               <a:t>总体设计文件（测试计划）</a:t>
             </a:r>
-            <a:endParaRPr lang="zh-CN" sz="2665" dirty="0" smtClean="0">
-              <a:solidFill>
-                <a:srgbClr val="183A5D"/>
-              </a:solidFill>
-              <a:latin typeface="微软雅黑" panose="020B0503020204020204" pitchFamily="34" charset="-122"/>
-              <a:ea typeface="微软雅黑" panose="020B0503020204020204" pitchFamily="34" charset="-122"/>
-            </a:endParaRPr>
           </a:p>
         </p:txBody>
       </p:sp>
       <p:pic>
         <p:nvPicPr>
-          <p:cNvPr id="5" name="图片 4"/>
+          <p:cNvPr id="5" name="图片 4">
+            <a:hlinkClick r:id="rId2" action="ppaction://hlinkfile"/>
+          </p:cNvPr>
           <p:cNvPicPr>
             <a:picLocks noChangeAspect="1"/>
           </p:cNvPicPr>
           <p:nvPr/>
         </p:nvPicPr>
         <p:blipFill>
-          <a:blip r:embed="rId1"/>
+          <a:blip r:embed="rId3"/>
           <a:stretch>
             <a:fillRect/>
           </a:stretch>
         </p:blipFill>
         <p:spPr>
           <a:xfrm>
-            <a:off x="1018540" y="955040"/>
+            <a:off x="1043125" y="661471"/>
             <a:ext cx="10154920" cy="5654040"/>
           </a:xfrm>
           <a:prstGeom prst="rect">
@@ -5837,33 +5778,28 @@
               </a:rPr>
               <a:t>总体设计文件（系统说明与实现）</a:t>
             </a:r>
-            <a:endParaRPr lang="zh-CN" sz="2665" dirty="0" smtClean="0">
-              <a:solidFill>
-                <a:srgbClr val="183A5D"/>
-              </a:solidFill>
-              <a:latin typeface="微软雅黑" panose="020B0503020204020204" pitchFamily="34" charset="-122"/>
-              <a:ea typeface="微软雅黑" panose="020B0503020204020204" pitchFamily="34" charset="-122"/>
-            </a:endParaRPr>
           </a:p>
         </p:txBody>
       </p:sp>
       <p:pic>
         <p:nvPicPr>
-          <p:cNvPr id="5" name="图片 4"/>
+          <p:cNvPr id="5" name="图片 4">
+            <a:hlinkClick r:id="rId2" action="ppaction://hlinkfile"/>
+          </p:cNvPr>
           <p:cNvPicPr>
             <a:picLocks noChangeAspect="1"/>
           </p:cNvPicPr>
           <p:nvPr/>
         </p:nvPicPr>
         <p:blipFill>
-          <a:blip r:embed="rId1"/>
+          <a:blip r:embed="rId3"/>
           <a:stretch>
             <a:fillRect/>
           </a:stretch>
         </p:blipFill>
         <p:spPr>
           <a:xfrm>
-            <a:off x="1137920" y="879475"/>
+            <a:off x="1137918" y="661345"/>
             <a:ext cx="9704705" cy="5403215"/>
           </a:xfrm>
           <a:prstGeom prst="rect">
@@ -5998,7 +5934,6 @@
               <a:rPr lang="en-US" sz="2400" dirty="0"/>
               <a:t>4</a:t>
             </a:r>
-            <a:endParaRPr lang="en-US" sz="2400" dirty="0"/>
           </a:p>
         </p:txBody>
       </p:sp>
@@ -6064,13 +5999,6 @@
               </a:rPr>
               <a:t>业务逻辑图</a:t>
             </a:r>
-            <a:endParaRPr lang="zh-CN" altLang="en-US" sz="2665" dirty="0" smtClean="0">
-              <a:solidFill>
-                <a:srgbClr val="183A5D"/>
-              </a:solidFill>
-              <a:latin typeface="微软雅黑" panose="020B0503020204020204" pitchFamily="34" charset="-122"/>
-              <a:ea typeface="微软雅黑" panose="020B0503020204020204" pitchFamily="34" charset="-122"/>
-            </a:endParaRPr>
           </a:p>
         </p:txBody>
       </p:sp>
@@ -6088,12 +6016,12 @@
           <a:graphicData uri="http://schemas.openxmlformats.org/presentationml/2006/ole">
             <mc:AlternateContent xmlns:mc="http://schemas.openxmlformats.org/markup-compatibility/2006">
               <mc:Choice xmlns:v="urn:schemas-microsoft-com:vml" Requires="v">
-                <p:oleObj spid="_x0000_s3076" name="" r:id="rId1" imgW="4591050" imgH="2321560" progId="Visio.Drawing.15">
+                <p:oleObj spid="_x0000_s3079" r:id="rId4" imgW="4591050" imgH="2321560" progId="Visio.Drawing.15">
                   <p:embed/>
                 </p:oleObj>
               </mc:Choice>
               <mc:Fallback>
-                <p:oleObj name="" r:id="rId1" imgW="4591050" imgH="2321560" progId="Visio.Drawing.15">
+                <p:oleObj r:id="rId4" imgW="4591050" imgH="2321560" progId="Visio.Drawing.15">
                   <p:embed/>
                   <p:pic>
                     <p:nvPicPr>
@@ -6102,7 +6030,7 @@
                       <p:nvPr/>
                     </p:nvPicPr>
                     <p:blipFill>
-                      <a:blip r:embed="rId2"/>
+                      <a:blip r:embed="rId5"/>
                       <a:stretch>
                         <a:fillRect/>
                       </a:stretch>
@@ -6255,7 +6183,6 @@
               <a:rPr lang="en-US" altLang="zh-CN" sz="2400" dirty="0"/>
               <a:t>4</a:t>
             </a:r>
-            <a:endParaRPr lang="en-US" altLang="zh-CN" sz="2400" dirty="0"/>
           </a:p>
         </p:txBody>
       </p:sp>
@@ -6291,13 +6218,6 @@
               </a:rPr>
               <a:t>业务逻辑图</a:t>
             </a:r>
-            <a:endParaRPr lang="zh-CN" altLang="en-US" sz="2665" dirty="0" smtClean="0">
-              <a:solidFill>
-                <a:srgbClr val="183A5D"/>
-              </a:solidFill>
-              <a:latin typeface="微软雅黑" panose="020B0503020204020204" pitchFamily="34" charset="-122"/>
-              <a:ea typeface="微软雅黑" panose="020B0503020204020204" pitchFamily="34" charset="-122"/>
-            </a:endParaRPr>
           </a:p>
         </p:txBody>
       </p:sp>
@@ -6315,12 +6235,12 @@
           <a:graphicData uri="http://schemas.openxmlformats.org/presentationml/2006/ole">
             <mc:AlternateContent xmlns:mc="http://schemas.openxmlformats.org/markup-compatibility/2006">
               <mc:Choice xmlns:v="urn:schemas-microsoft-com:vml" Requires="v">
-                <p:oleObj spid="_x0000_s6" name="" r:id="rId1" imgW="4958080" imgH="4384040" progId="Visio.Drawing.15">
+                <p:oleObj spid="_x0000_s4098" r:id="rId4" imgW="4958080" imgH="4384040" progId="Visio.Drawing.15">
                   <p:embed/>
                 </p:oleObj>
               </mc:Choice>
               <mc:Fallback>
-                <p:oleObj name="" r:id="rId1" imgW="4958080" imgH="4384040" progId="Visio.Drawing.15">
+                <p:oleObj r:id="rId4" imgW="4958080" imgH="4384040" progId="Visio.Drawing.15">
                   <p:embed/>
                   <p:pic>
                     <p:nvPicPr>
@@ -6329,7 +6249,7 @@
                       <p:nvPr/>
                     </p:nvPicPr>
                     <p:blipFill>
-                      <a:blip r:embed="rId2"/>
+                      <a:blip r:embed="rId5"/>
                       <a:stretch>
                         <a:fillRect/>
                       </a:stretch>
@@ -6482,7 +6402,6 @@
               <a:rPr lang="en-US" altLang="zh-CN" sz="2400" dirty="0"/>
               <a:t>5</a:t>
             </a:r>
-            <a:endParaRPr lang="en-US" altLang="zh-CN" sz="2400" dirty="0"/>
           </a:p>
         </p:txBody>
       </p:sp>
@@ -6518,16 +6437,52 @@
               </a:rPr>
               <a:t>详细设计文件</a:t>
             </a:r>
-            <a:endParaRPr lang="zh-CN" altLang="en-US" sz="2665" dirty="0" smtClean="0">
-              <a:solidFill>
-                <a:srgbClr val="183A5D"/>
-              </a:solidFill>
-              <a:latin typeface="微软雅黑" panose="020B0503020204020204" pitchFamily="34" charset="-122"/>
-              <a:ea typeface="微软雅黑" panose="020B0503020204020204" pitchFamily="34" charset="-122"/>
-            </a:endParaRPr>
           </a:p>
         </p:txBody>
       </p:sp>
+      <p:pic>
+        <p:nvPicPr>
+          <p:cNvPr id="5122" name="Picture 2" descr="C:\Users\Administrator\Desktop\89ea0d146283cf5338ae586b9a057ba.png">
+            <a:hlinkClick r:id="rId2" action="ppaction://hlinkfile"/>
+          </p:cNvPr>
+          <p:cNvPicPr>
+            <a:picLocks noChangeAspect="1" noChangeArrowheads="1"/>
+          </p:cNvPicPr>
+          <p:nvPr/>
+        </p:nvPicPr>
+        <p:blipFill>
+          <a:blip r:embed="rId3">
+            <a:extLst>
+              <a:ext uri="{28A0092B-C50C-407E-A947-70E740481C1C}">
+                <a14:useLocalDpi xmlns:a14="http://schemas.microsoft.com/office/drawing/2010/main" val="0"/>
+              </a:ext>
+            </a:extLst>
+          </a:blip>
+          <a:srcRect/>
+          <a:stretch>
+            <a:fillRect/>
+          </a:stretch>
+        </p:blipFill>
+        <p:spPr bwMode="auto">
+          <a:xfrm>
+            <a:off x="1304604" y="645470"/>
+            <a:ext cx="9692916" cy="5610475"/>
+          </a:xfrm>
+          <a:prstGeom prst="rect">
+            <a:avLst/>
+          </a:prstGeom>
+          <a:noFill/>
+          <a:extLst>
+            <a:ext uri="{909E8E84-426E-40DD-AFC4-6F175D3DCCD1}">
+              <a14:hiddenFill xmlns:a14="http://schemas.microsoft.com/office/drawing/2010/main">
+                <a:solidFill>
+                  <a:srgbClr val="FFFFFF"/>
+                </a:solidFill>
+              </a14:hiddenFill>
+            </a:ext>
+          </a:extLst>
+        </p:spPr>
+      </p:pic>
     </p:spTree>
   </p:cSld>
   <p:clrMapOvr>
@@ -6655,7 +6610,6 @@
               <a:rPr lang="en-US" altLang="zh-CN" sz="2400" dirty="0"/>
               <a:t>6</a:t>
             </a:r>
-            <a:endParaRPr lang="en-US" altLang="zh-CN" sz="2400" dirty="0"/>
           </a:p>
         </p:txBody>
       </p:sp>
@@ -6691,13 +6645,6 @@
               </a:rPr>
               <a:t>伪代码描述</a:t>
             </a:r>
-            <a:endParaRPr lang="zh-CN" altLang="en-US" sz="2665" dirty="0" smtClean="0">
-              <a:solidFill>
-                <a:srgbClr val="183A5D"/>
-              </a:solidFill>
-              <a:latin typeface="微软雅黑" panose="020B0503020204020204" pitchFamily="34" charset="-122"/>
-              <a:ea typeface="微软雅黑" panose="020B0503020204020204" pitchFamily="34" charset="-122"/>
-            </a:endParaRPr>
           </a:p>
         </p:txBody>
       </p:sp>
@@ -6710,7 +6657,7 @@
           <p:nvPr/>
         </p:nvPicPr>
         <p:blipFill>
-          <a:blip r:embed="rId1"/>
+          <a:blip r:embed="rId2"/>
           <a:stretch>
             <a:fillRect/>
           </a:stretch>
@@ -6734,7 +6681,7 @@
           <p:nvPr/>
         </p:nvPicPr>
         <p:blipFill>
-          <a:blip r:embed="rId2"/>
+          <a:blip r:embed="rId3"/>
           <a:stretch>
             <a:fillRect/>
           </a:stretch>
@@ -6876,7 +6823,6 @@
               <a:rPr lang="en-US" altLang="zh-CN" sz="2400" dirty="0"/>
               <a:t>6</a:t>
             </a:r>
-            <a:endParaRPr lang="en-US" altLang="zh-CN" sz="2400" dirty="0"/>
           </a:p>
         </p:txBody>
       </p:sp>
@@ -6912,13 +6858,6 @@
               </a:rPr>
               <a:t>伪代码描述</a:t>
             </a:r>
-            <a:endParaRPr lang="zh-CN" altLang="en-US" sz="2665" dirty="0" smtClean="0">
-              <a:solidFill>
-                <a:srgbClr val="183A5D"/>
-              </a:solidFill>
-              <a:latin typeface="微软雅黑" panose="020B0503020204020204" pitchFamily="34" charset="-122"/>
-              <a:ea typeface="微软雅黑" panose="020B0503020204020204" pitchFamily="34" charset="-122"/>
-            </a:endParaRPr>
           </a:p>
         </p:txBody>
       </p:sp>
@@ -6931,7 +6870,7 @@
           <p:nvPr/>
         </p:nvPicPr>
         <p:blipFill>
-          <a:blip r:embed="rId1"/>
+          <a:blip r:embed="rId2"/>
           <a:stretch>
             <a:fillRect/>
           </a:stretch>
@@ -7356,13 +7295,6 @@
               </a:rPr>
               <a:t>项目名称：问酒</a:t>
             </a:r>
-            <a:endParaRPr lang="zh-CN" altLang="en-US" dirty="0">
-              <a:solidFill>
-                <a:sysClr val="windowText" lastClr="000000"/>
-              </a:solidFill>
-              <a:latin typeface="微软雅黑" panose="020B0503020204020204" pitchFamily="34" charset="-122"/>
-              <a:ea typeface="微软雅黑" panose="020B0503020204020204" pitchFamily="34" charset="-122"/>
-            </a:endParaRPr>
           </a:p>
         </p:txBody>
       </p:sp>
@@ -7398,13 +7330,6 @@
               </a:rPr>
               <a:t>项目简介</a:t>
             </a:r>
-            <a:endParaRPr lang="zh-CN" altLang="en-US" sz="3200" b="1" dirty="0">
-              <a:solidFill>
-                <a:schemeClr val="bg1"/>
-              </a:solidFill>
-              <a:latin typeface="微软雅黑" panose="020B0503020204020204" pitchFamily="34" charset="-122"/>
-              <a:ea typeface="微软雅黑" panose="020B0503020204020204" pitchFamily="34" charset="-122"/>
-            </a:endParaRPr>
           </a:p>
         </p:txBody>
       </p:sp>
@@ -7448,14 +7373,6 @@
               </a:rPr>
               <a:t>供广大群众通过图像识别查询酒的基本信息。</a:t>
             </a:r>
-            <a:endParaRPr lang="zh-CN" altLang="en-US" dirty="0">
-              <a:solidFill>
-                <a:sysClr val="windowText" lastClr="000000"/>
-              </a:solidFill>
-              <a:latin typeface="微软雅黑" panose="020B0503020204020204" pitchFamily="34" charset="-122"/>
-              <a:ea typeface="微软雅黑" panose="020B0503020204020204" pitchFamily="34" charset="-122"/>
-              <a:sym typeface="+mn-ea"/>
-            </a:endParaRPr>
           </a:p>
           <a:p>
             <a:endParaRPr lang="zh-CN" altLang="en-US" dirty="0">
@@ -8110,13 +8027,6 @@
               </a:rPr>
               <a:t>项目简介</a:t>
             </a:r>
-            <a:endParaRPr lang="zh-CN" altLang="en-US" sz="3200" b="1" dirty="0">
-              <a:solidFill>
-                <a:schemeClr val="bg1"/>
-              </a:solidFill>
-              <a:latin typeface="微软雅黑" panose="020B0503020204020204" pitchFamily="34" charset="-122"/>
-              <a:ea typeface="微软雅黑" panose="020B0503020204020204" pitchFamily="34" charset="-122"/>
-            </a:endParaRPr>
           </a:p>
         </p:txBody>
       </p:sp>
@@ -8310,12 +8220,6 @@
                         </a:rPr>
                         <a:t>杨枨</a:t>
                       </a:r>
-                      <a:endParaRPr lang="zh-CN" sz="1800" kern="100">
-                        <a:effectLst/>
-                        <a:latin typeface="+mn-ea"/>
-                        <a:ea typeface="+mn-ea"/>
-                        <a:cs typeface="Times New Roman" panose="02020603050405020304" pitchFamily="18" charset="0"/>
-                      </a:endParaRPr>
                     </a:p>
                   </a:txBody>
                   <a:tcPr marL="68567" marR="68567" marT="0" marB="0" anchor="ctr"/>
@@ -8339,12 +8243,6 @@
                         </a:rPr>
                         <a:t>13357102333</a:t>
                       </a:r>
-                      <a:endParaRPr lang="en-US" sz="1800" kern="100" dirty="0">
-                        <a:effectLst/>
-                        <a:latin typeface="+mn-ea"/>
-                        <a:ea typeface="+mn-ea"/>
-                        <a:cs typeface="Times New Roman" panose="02020603050405020304" pitchFamily="18" charset="0"/>
-                      </a:endParaRPr>
                     </a:p>
                   </a:txBody>
                   <a:tcPr marL="68567" marR="68567" marT="0" marB="0" anchor="ctr"/>
@@ -8371,15 +8269,6 @@
                         </a:rPr>
                         <a:t>yangc@zucc.edu.cn</a:t>
                       </a:r>
-                      <a:endParaRPr lang="en-US" sz="1800" u="none" strike="noStrike" kern="100" dirty="0">
-                        <a:solidFill>
-                          <a:srgbClr val="0563C1"/>
-                        </a:solidFill>
-                        <a:effectLst/>
-                        <a:latin typeface="+mn-ea"/>
-                        <a:ea typeface="+mn-ea"/>
-                        <a:cs typeface="Times New Roman" panose="02020603050405020304" pitchFamily="18" charset="0"/>
-                      </a:endParaRPr>
                     </a:p>
                   </a:txBody>
                   <a:tcPr marL="68567" marR="68567" marT="0" marB="0" anchor="ctr"/>
@@ -8403,12 +8292,6 @@
                         </a:rPr>
                         <a:t>理四504</a:t>
                       </a:r>
-                      <a:endParaRPr sz="1800" kern="100">
-                        <a:effectLst/>
-                        <a:latin typeface="+mn-ea"/>
-                        <a:ea typeface="+mn-ea"/>
-                        <a:cs typeface="Times New Roman" panose="02020603050405020304" pitchFamily="18" charset="0"/>
-                      </a:endParaRPr>
                     </a:p>
                   </a:txBody>
                   <a:tcPr marL="68567" marR="68567" marT="0" marB="0" anchor="ctr"/>
@@ -8444,7 +8327,6 @@
               <a:rPr lang="zh-CN" altLang="en-US"/>
               <a:t>项目提出者：</a:t>
             </a:r>
-            <a:endParaRPr lang="zh-CN" altLang="en-US"/>
           </a:p>
         </p:txBody>
       </p:sp>
@@ -8474,7 +8356,6 @@
               <a:rPr lang="zh-CN" altLang="en-US"/>
               <a:t>项目用户：</a:t>
             </a:r>
-            <a:endParaRPr lang="zh-CN" altLang="en-US"/>
           </a:p>
         </p:txBody>
       </p:sp>
@@ -8504,7 +8385,6 @@
               <a:rPr lang="zh-CN" altLang="en-US" b="1"/>
               <a:t>喜欢喝酒以及对酒文化感兴趣的群体。</a:t>
             </a:r>
-            <a:endParaRPr lang="zh-CN" altLang="en-US" b="1"/>
           </a:p>
         </p:txBody>
       </p:sp>
@@ -8903,13 +8783,6 @@
               </a:rPr>
               <a:t>项目简介</a:t>
             </a:r>
-            <a:endParaRPr lang="zh-CN" altLang="en-US" sz="3200" b="1" dirty="0">
-              <a:solidFill>
-                <a:schemeClr val="bg1"/>
-              </a:solidFill>
-              <a:latin typeface="微软雅黑" panose="020B0503020204020204" pitchFamily="34" charset="-122"/>
-              <a:ea typeface="微软雅黑" panose="020B0503020204020204" pitchFamily="34" charset="-122"/>
-            </a:endParaRPr>
           </a:p>
         </p:txBody>
       </p:sp>
@@ -9108,6 +8981,7 @@
                 <a:tc>
                   <a:txBody>
                     <a:bodyPr/>
+                    <a:lstStyle/>
                     <a:p>
                       <a:pPr indent="127000" algn="just">
                         <a:spcAft>
@@ -9124,12 +8998,6 @@
                         </a:rPr>
                         <a:t>职务</a:t>
                       </a:r>
-                      <a:endParaRPr lang="zh-CN" altLang="en-US" sz="1800" kern="100" dirty="0">
-                        <a:effectLst/>
-                        <a:latin typeface="+mn-ea"/>
-                        <a:ea typeface="+mn-ea"/>
-                        <a:cs typeface="Times New Roman" panose="02020603050405020304" pitchFamily="18" charset="0"/>
-                      </a:endParaRPr>
                     </a:p>
                   </a:txBody>
                   <a:tcPr marL="68567" marR="68567" marT="0" marB="0" anchor="ctr">
@@ -9159,12 +9027,6 @@
                         </a:rPr>
                         <a:t>黄为波</a:t>
                       </a:r>
-                      <a:endParaRPr lang="zh-CN" sz="1800" kern="100">
-                        <a:effectLst/>
-                        <a:latin typeface="+mn-ea"/>
-                        <a:ea typeface="+mn-ea"/>
-                        <a:cs typeface="Times New Roman" panose="02020603050405020304" pitchFamily="18" charset="0"/>
-                      </a:endParaRPr>
                     </a:p>
                   </a:txBody>
                   <a:tcPr marL="68567" marR="68567" marT="0" marB="0" anchor="ctr"/>
@@ -9188,12 +9050,6 @@
                         </a:rPr>
                         <a:t>组长</a:t>
                       </a:r>
-                      <a:endParaRPr lang="zh-CN" sz="1800" kern="100">
-                        <a:effectLst/>
-                        <a:latin typeface="+mn-ea"/>
-                        <a:ea typeface="+mn-ea"/>
-                        <a:cs typeface="Times New Roman" panose="02020603050405020304" pitchFamily="18" charset="0"/>
-                      </a:endParaRPr>
                     </a:p>
                   </a:txBody>
                   <a:tcPr marL="68567" marR="68567" marT="0" marB="0" anchor="ctr"/>
@@ -9217,12 +9073,6 @@
                         </a:rPr>
                         <a:t>15336551730</a:t>
                       </a:r>
-                      <a:endParaRPr lang="en-US" sz="1800" kern="100">
-                        <a:effectLst/>
-                        <a:latin typeface="+mn-ea"/>
-                        <a:ea typeface="+mn-ea"/>
-                        <a:cs typeface="Times New Roman" panose="02020603050405020304" pitchFamily="18" charset="0"/>
-                      </a:endParaRPr>
                     </a:p>
                   </a:txBody>
                   <a:tcPr marL="68567" marR="68567" marT="0" marB="0" anchor="ctr"/>
@@ -9297,6 +9147,7 @@
                 <a:tc>
                   <a:txBody>
                     <a:bodyPr/>
+                    <a:lstStyle/>
                     <a:p>
                       <a:pPr indent="127000" algn="just">
                         <a:spcAft>
@@ -9313,12 +9164,6 @@
                         </a:rPr>
                         <a:t>项目经理</a:t>
                       </a:r>
-                      <a:endParaRPr lang="zh-CN" altLang="en-US" sz="1800" kern="100">
-                        <a:effectLst/>
-                        <a:latin typeface="+mn-ea"/>
-                        <a:ea typeface="+mn-ea"/>
-                        <a:cs typeface="Times New Roman" panose="02020603050405020304" pitchFamily="18" charset="0"/>
-                      </a:endParaRPr>
                     </a:p>
                   </a:txBody>
                   <a:tcPr marL="68567" marR="68567" marT="0" marB="0" anchor="ctr"/>
@@ -9344,12 +9189,6 @@
                         </a:rPr>
                         <a:t>蔡峰</a:t>
                       </a:r>
-                      <a:endParaRPr lang="zh-CN" sz="1800" kern="100">
-                        <a:effectLst/>
-                        <a:latin typeface="+mn-ea"/>
-                        <a:ea typeface="+mn-ea"/>
-                        <a:cs typeface="Times New Roman" panose="02020603050405020304" pitchFamily="18" charset="0"/>
-                      </a:endParaRPr>
                     </a:p>
                   </a:txBody>
                   <a:tcPr marL="68567" marR="68567" marT="0" marB="0" anchor="ctr">
@@ -9380,12 +9219,6 @@
                         </a:rPr>
                         <a:t>组员</a:t>
                       </a:r>
-                      <a:endParaRPr lang="zh-CN" sz="1800" kern="100">
-                        <a:effectLst/>
-                        <a:latin typeface="+mn-ea"/>
-                        <a:ea typeface="+mn-ea"/>
-                        <a:cs typeface="Times New Roman" panose="02020603050405020304" pitchFamily="18" charset="0"/>
-                      </a:endParaRPr>
                     </a:p>
                   </a:txBody>
                   <a:tcPr marL="68567" marR="68567" marT="0" marB="0" anchor="ctr">
@@ -9517,6 +9350,7 @@
                 <a:tc>
                   <a:txBody>
                     <a:bodyPr/>
+                    <a:lstStyle/>
                     <a:p>
                       <a:pPr indent="127000" algn="just">
                         <a:spcAft>
@@ -9533,12 +9367,6 @@
                         </a:rPr>
                         <a:t>配置管理员</a:t>
                       </a:r>
-                      <a:endParaRPr lang="zh-CN" altLang="en-US" sz="1800" kern="100">
-                        <a:effectLst/>
-                        <a:latin typeface="+mn-ea"/>
-                        <a:ea typeface="+mn-ea"/>
-                        <a:cs typeface="Times New Roman" panose="02020603050405020304" pitchFamily="18" charset="0"/>
-                      </a:endParaRPr>
                     </a:p>
                   </a:txBody>
                   <a:tcPr marL="68567" marR="68567" marT="0" marB="0" anchor="ctr">
@@ -9571,12 +9399,6 @@
                         </a:rPr>
                         <a:t>陈子卿</a:t>
                       </a:r>
-                      <a:endParaRPr lang="zh-CN" sz="1800" kern="100">
-                        <a:effectLst/>
-                        <a:latin typeface="+mn-ea"/>
-                        <a:ea typeface="+mn-ea"/>
-                        <a:cs typeface="Times New Roman" panose="02020603050405020304" pitchFamily="18" charset="0"/>
-                      </a:endParaRPr>
                     </a:p>
                   </a:txBody>
                   <a:tcPr marL="68567" marR="68567" marT="0" marB="0" anchor="ctr"/>
@@ -9600,12 +9422,6 @@
                         </a:rPr>
                         <a:t>组员</a:t>
                       </a:r>
-                      <a:endParaRPr lang="zh-CN" sz="1800" kern="100">
-                        <a:effectLst/>
-                        <a:latin typeface="+mn-ea"/>
-                        <a:ea typeface="+mn-ea"/>
-                        <a:cs typeface="Times New Roman" panose="02020603050405020304" pitchFamily="18" charset="0"/>
-                      </a:endParaRPr>
                     </a:p>
                   </a:txBody>
                   <a:tcPr marL="68567" marR="68567" marT="0" marB="0" anchor="ctr"/>
@@ -9629,12 +9445,6 @@
                         </a:rPr>
                         <a:t>15968119438</a:t>
                       </a:r>
-                      <a:endParaRPr lang="en-US" sz="1800" kern="100">
-                        <a:effectLst/>
-                        <a:latin typeface="+mn-ea"/>
-                        <a:ea typeface="+mn-ea"/>
-                        <a:cs typeface="Times New Roman" panose="02020603050405020304" pitchFamily="18" charset="0"/>
-                      </a:endParaRPr>
                     </a:p>
                   </a:txBody>
                   <a:tcPr marL="68567" marR="68567" marT="0" marB="0" anchor="ctr"/>
@@ -9709,6 +9519,7 @@
                 <a:tc>
                   <a:txBody>
                     <a:bodyPr/>
+                    <a:lstStyle/>
                     <a:p>
                       <a:pPr indent="127000" algn="just">
                         <a:spcAft>
@@ -9725,12 +9536,6 @@
                         </a:rPr>
                         <a:t>会议记录员</a:t>
                       </a:r>
-                      <a:endParaRPr lang="zh-CN" altLang="en-US" sz="1800" kern="100">
-                        <a:effectLst/>
-                        <a:latin typeface="+mn-ea"/>
-                        <a:ea typeface="+mn-ea"/>
-                        <a:cs typeface="Times New Roman" panose="02020603050405020304" pitchFamily="18" charset="0"/>
-                      </a:endParaRPr>
                     </a:p>
                   </a:txBody>
                   <a:tcPr marL="68567" marR="68567" marT="0" marB="0" anchor="ctr"/>
@@ -9777,18 +9582,6 @@
               </a:rPr>
               <a:t>开发团队：</a:t>
             </a:r>
-            <a:endParaRPr lang="zh-CN" altLang="en-US" sz="2800" b="1">
-              <a:solidFill>
-                <a:schemeClr val="tx1"/>
-              </a:solidFill>
-              <a:effectLst>
-                <a:outerShdw blurRad="38100" dist="19050" dir="2700000" algn="tl" rotWithShape="0">
-                  <a:schemeClr val="dk1">
-                    <a:alpha val="40000"/>
-                  </a:schemeClr>
-                </a:outerShdw>
-              </a:effectLst>
-            </a:endParaRPr>
           </a:p>
         </p:txBody>
       </p:sp>
@@ -13028,15 +12821,6 @@
               </a:rPr>
               <a:t>会议记录</a:t>
             </a:r>
-            <a:endParaRPr lang="zh-CN" altLang="en-US" sz="3065" kern="0" dirty="0">
-              <a:solidFill>
-                <a:srgbClr val="FFFFFF"/>
-              </a:solidFill>
-              <a:latin typeface="+mn-lt"/>
-              <a:ea typeface="+mn-ea"/>
-              <a:cs typeface="+mn-ea"/>
-              <a:sym typeface="+mn-lt"/>
-            </a:endParaRPr>
           </a:p>
         </p:txBody>
       </p:sp>
@@ -13204,15 +12988,6 @@
               </a:rPr>
               <a:t>绩效考评</a:t>
             </a:r>
-            <a:endParaRPr lang="zh-CN" altLang="en-US" sz="3065" kern="0" dirty="0">
-              <a:solidFill>
-                <a:srgbClr val="FFFFFF"/>
-              </a:solidFill>
-              <a:latin typeface="+mn-lt"/>
-              <a:ea typeface="+mn-ea"/>
-              <a:cs typeface="+mn-ea"/>
-              <a:sym typeface="+mn-lt"/>
-            </a:endParaRPr>
           </a:p>
         </p:txBody>
       </p:sp>
@@ -13380,15 +13155,6 @@
               </a:rPr>
               <a:t>总体设计文件</a:t>
             </a:r>
-            <a:endParaRPr lang="zh-CN" altLang="en-US" sz="3065" kern="0" dirty="0">
-              <a:solidFill>
-                <a:srgbClr val="FFFFFF"/>
-              </a:solidFill>
-              <a:latin typeface="+mn-lt"/>
-              <a:ea typeface="+mn-ea"/>
-              <a:cs typeface="+mn-ea"/>
-              <a:sym typeface="+mn-lt"/>
-            </a:endParaRPr>
           </a:p>
         </p:txBody>
       </p:sp>
@@ -13751,15 +13517,6 @@
                 </a:rPr>
                 <a:t>4</a:t>
               </a:r>
-              <a:endParaRPr lang="en-US" altLang="zh-CN" sz="2800" b="1" kern="0">
-                <a:solidFill>
-                  <a:schemeClr val="tx2"/>
-                </a:solidFill>
-                <a:latin typeface="+mn-lt"/>
-                <a:ea typeface="+mn-ea"/>
-                <a:cs typeface="+mn-ea"/>
-                <a:sym typeface="+mn-lt"/>
-              </a:endParaRPr>
             </a:p>
           </p:txBody>
         </p:sp>
@@ -13964,15 +13721,6 @@
               </a:rPr>
               <a:t>业务逻辑图</a:t>
             </a:r>
-            <a:endParaRPr lang="zh-CN" altLang="en-US" sz="3065" kern="0" dirty="0">
-              <a:solidFill>
-                <a:srgbClr val="FFFFFF"/>
-              </a:solidFill>
-              <a:latin typeface="+mn-lt"/>
-              <a:ea typeface="+mn-ea"/>
-              <a:cs typeface="+mn-ea"/>
-              <a:sym typeface="+mn-lt"/>
-            </a:endParaRPr>
           </a:p>
         </p:txBody>
       </p:sp>
@@ -14335,15 +14083,6 @@
                 </a:rPr>
                 <a:t>5</a:t>
               </a:r>
-              <a:endParaRPr lang="en-US" altLang="zh-CN" sz="2800" b="1" kern="0">
-                <a:solidFill>
-                  <a:schemeClr val="tx2"/>
-                </a:solidFill>
-                <a:latin typeface="+mn-lt"/>
-                <a:ea typeface="+mn-ea"/>
-                <a:cs typeface="+mn-ea"/>
-                <a:sym typeface="+mn-lt"/>
-              </a:endParaRPr>
             </a:p>
           </p:txBody>
         </p:sp>
@@ -14512,15 +14251,6 @@
               </a:rPr>
               <a:t>详细设计文件</a:t>
             </a:r>
-            <a:endParaRPr lang="zh-CN" altLang="en-US" sz="3065" kern="0" dirty="0">
-              <a:solidFill>
-                <a:srgbClr val="FFFFFF"/>
-              </a:solidFill>
-              <a:latin typeface="+mn-lt"/>
-              <a:ea typeface="+mn-ea"/>
-              <a:cs typeface="+mn-ea"/>
-              <a:sym typeface="+mn-lt"/>
-            </a:endParaRPr>
           </a:p>
         </p:txBody>
       </p:sp>
@@ -14883,15 +14613,6 @@
                 </a:rPr>
                 <a:t>6</a:t>
               </a:r>
-              <a:endParaRPr lang="en-US" altLang="zh-CN" sz="2800" b="1" kern="0">
-                <a:solidFill>
-                  <a:schemeClr val="tx2"/>
-                </a:solidFill>
-                <a:latin typeface="+mn-lt"/>
-                <a:ea typeface="+mn-ea"/>
-                <a:cs typeface="+mn-ea"/>
-                <a:sym typeface="+mn-lt"/>
-              </a:endParaRPr>
             </a:p>
           </p:txBody>
         </p:sp>
@@ -15060,15 +14781,6 @@
               </a:rPr>
               <a:t>伪代码描述</a:t>
             </a:r>
-            <a:endParaRPr lang="zh-CN" altLang="en-US" sz="3065" kern="0" dirty="0">
-              <a:solidFill>
-                <a:srgbClr val="FFFFFF"/>
-              </a:solidFill>
-              <a:latin typeface="+mn-lt"/>
-              <a:ea typeface="+mn-ea"/>
-              <a:cs typeface="+mn-ea"/>
-              <a:sym typeface="+mn-lt"/>
-            </a:endParaRPr>
           </a:p>
         </p:txBody>
       </p:sp>
@@ -16652,34 +16364,29 @@
               </a:rPr>
               <a:t>会议记录</a:t>
             </a:r>
-            <a:endParaRPr lang="zh-CN" sz="2665" dirty="0">
-              <a:solidFill>
-                <a:srgbClr val="183A5D"/>
-              </a:solidFill>
-              <a:latin typeface="微软雅黑" panose="020B0503020204020204" pitchFamily="34" charset="-122"/>
-              <a:ea typeface="微软雅黑" panose="020B0503020204020204" pitchFamily="34" charset="-122"/>
-            </a:endParaRPr>
           </a:p>
         </p:txBody>
       </p:sp>
       <p:pic>
         <p:nvPicPr>
-          <p:cNvPr id="5" name="图片 4"/>
+          <p:cNvPr id="5" name="图片 4">
+            <a:hlinkClick r:id="rId2" action="ppaction://hlinkfile"/>
+          </p:cNvPr>
           <p:cNvPicPr>
             <a:picLocks noChangeAspect="1"/>
           </p:cNvPicPr>
           <p:nvPr/>
         </p:nvPicPr>
         <p:blipFill>
-          <a:blip r:embed="rId1"/>
+          <a:blip r:embed="rId3"/>
           <a:stretch>
             <a:fillRect/>
           </a:stretch>
         </p:blipFill>
         <p:spPr>
           <a:xfrm>
-            <a:off x="3143250" y="504825"/>
-            <a:ext cx="5904865" cy="5847715"/>
+            <a:off x="3143249" y="933075"/>
+            <a:ext cx="5904865" cy="5603527"/>
           </a:xfrm>
           <a:prstGeom prst="rect">
             <a:avLst/>
@@ -16813,7 +16520,6 @@
               <a:rPr lang="en-US" sz="2400" dirty="0"/>
               <a:t>2</a:t>
             </a:r>
-            <a:endParaRPr lang="en-US" sz="2400" dirty="0"/>
           </a:p>
         </p:txBody>
       </p:sp>
@@ -16849,13 +16555,6 @@
               </a:rPr>
               <a:t>绩效考评</a:t>
             </a:r>
-            <a:endParaRPr lang="zh-CN" sz="2665" dirty="0" smtClean="0">
-              <a:solidFill>
-                <a:srgbClr val="183A5D"/>
-              </a:solidFill>
-              <a:latin typeface="微软雅黑" panose="020B0503020204020204" pitchFamily="34" charset="-122"/>
-              <a:ea typeface="微软雅黑" panose="020B0503020204020204" pitchFamily="34" charset="-122"/>
-            </a:endParaRPr>
           </a:p>
         </p:txBody>
       </p:sp>
@@ -16867,7 +16566,7 @@
         </p:nvGraphicFramePr>
         <p:xfrm>
           <a:off x="1554480" y="797496"/>
-          <a:ext cx="8532495" cy="5332095"/>
+          <a:ext cx="8532495" cy="5969351"/>
         </p:xfrm>
         <a:graphic>
           <a:graphicData uri="http://schemas.openxmlformats.org/drawingml/2006/table">
@@ -16884,6 +16583,7 @@
                 <a:tc>
                   <a:txBody>
                     <a:bodyPr/>
+                    <a:lstStyle/>
                     <a:p>
                       <a:pPr algn="ctr">
                         <a:buNone/>
@@ -16896,11 +16596,6 @@
                         </a:rPr>
                         <a:t>黄为波</a:t>
                       </a:r>
-                      <a:endParaRPr lang="zh-CN" altLang="en-US" b="0" dirty="0">
-                        <a:solidFill>
-                          <a:schemeClr val="tx1"/>
-                        </a:solidFill>
-                      </a:endParaRPr>
                     </a:p>
                   </a:txBody>
                   <a:tcPr>
@@ -16915,6 +16610,7 @@
                 <a:tc>
                   <a:txBody>
                     <a:bodyPr/>
+                    <a:lstStyle/>
                     <a:p>
                       <a:pPr marL="457200" indent="-457200" algn="l">
                         <a:buFont typeface="+mj-lt"/>
@@ -17028,17 +16724,7 @@
                           <a:latin typeface="+mn-ea"/>
                           <a:sym typeface="+mn-ea"/>
                         </a:rPr>
-                        <a:t>》</a:t>
-                      </a:r>
-                      <a:r>
-                        <a:rPr lang="en-US" altLang="zh-CN" sz="1400" b="0" dirty="0" smtClean="0">
-                          <a:solidFill>
-                            <a:schemeClr val="tx1"/>
-                          </a:solidFill>
-                          <a:latin typeface="+mn-ea"/>
-                          <a:sym typeface="+mn-ea"/>
-                        </a:rPr>
-                        <a:t>《SE2018</a:t>
+                        <a:t>》《SE2018</a:t>
                       </a:r>
                       <a:r>
                         <a:rPr lang="zh-CN" altLang="en-US" sz="1400" b="0" dirty="0" smtClean="0">
@@ -17088,25 +16774,8 @@
                           <a:latin typeface="+mn-ea"/>
                           <a:ea typeface="+mn-ea"/>
                         </a:rPr>
-                        <a:t>进行</a:t>
+                        <a:t>进行修改</a:t>
                       </a:r>
-                      <a:r>
-                        <a:rPr lang="zh-CN" altLang="en-US" sz="1400" b="0" dirty="0" smtClean="0">
-                          <a:solidFill>
-                            <a:schemeClr val="tx1"/>
-                          </a:solidFill>
-                          <a:latin typeface="+mn-ea"/>
-                          <a:ea typeface="+mn-ea"/>
-                        </a:rPr>
-                        <a:t>修改</a:t>
-                      </a:r>
-                      <a:endParaRPr lang="zh-CN" altLang="en-US" sz="1400" b="0" dirty="0" smtClean="0">
-                        <a:solidFill>
-                          <a:schemeClr val="tx1"/>
-                        </a:solidFill>
-                        <a:latin typeface="+mn-ea"/>
-                        <a:ea typeface="+mn-ea"/>
-                      </a:endParaRPr>
                     </a:p>
                     <a:p>
                       <a:pPr marL="457200" indent="-457200" algn="l">
@@ -17183,13 +16852,6 @@
                         </a:rPr>
                         <a:t>进行排版修改</a:t>
                       </a:r>
-                      <a:endParaRPr lang="zh-CN" altLang="en-US" sz="1400" b="0" dirty="0" smtClean="0">
-                        <a:solidFill>
-                          <a:schemeClr val="tx1"/>
-                        </a:solidFill>
-                        <a:latin typeface="+mn-ea"/>
-                        <a:ea typeface="+mn-ea"/>
-                      </a:endParaRPr>
                     </a:p>
                     <a:p>
                       <a:pPr marL="457200" indent="-457200" algn="l">
@@ -17207,14 +16869,6 @@
                         </a:rPr>
                         <a:t>集合小组成员进行排版的统一说明</a:t>
                       </a:r>
-                      <a:endParaRPr lang="zh-CN" altLang="en-US" sz="1400" b="0" dirty="0" smtClean="0">
-                        <a:solidFill>
-                          <a:schemeClr val="tx1"/>
-                        </a:solidFill>
-                        <a:latin typeface="+mn-ea"/>
-                        <a:ea typeface="+mn-ea"/>
-                        <a:sym typeface="+mn-ea"/>
-                      </a:endParaRPr>
                     </a:p>
                     <a:p>
                       <a:pPr marL="457200" indent="-457200" algn="l">
@@ -17291,13 +16945,6 @@
                         </a:rPr>
                         <a:t>的算法以及程序逻辑部分</a:t>
                       </a:r>
-                      <a:endParaRPr lang="zh-CN" altLang="en-US" sz="1400" b="0" dirty="0" smtClean="0">
-                        <a:solidFill>
-                          <a:schemeClr val="tx1"/>
-                        </a:solidFill>
-                        <a:latin typeface="+mn-ea"/>
-                        <a:sym typeface="+mn-ea"/>
-                      </a:endParaRPr>
                     </a:p>
                     <a:p>
                       <a:pPr marL="457200" indent="-457200" algn="l">
@@ -17314,13 +16961,6 @@
                         </a:rPr>
                         <a:t>负责历史记录识别模块</a:t>
                       </a:r>
-                      <a:endParaRPr lang="zh-CN" altLang="en-US" sz="1400" b="0" dirty="0" smtClean="0">
-                        <a:solidFill>
-                          <a:schemeClr val="tx1"/>
-                        </a:solidFill>
-                        <a:latin typeface="+mn-ea"/>
-                        <a:sym typeface="+mn-ea"/>
-                      </a:endParaRPr>
                     </a:p>
                     <a:p>
                       <a:pPr marL="457200" indent="-457200" algn="l">
@@ -17362,6 +17002,7 @@
                 <a:tc>
                   <a:txBody>
                     <a:bodyPr/>
+                    <a:lstStyle/>
                     <a:p>
                       <a:pPr algn="ctr">
                         <a:buNone/>
@@ -17374,11 +17015,6 @@
                         </a:rPr>
                         <a:t>9.6</a:t>
                       </a:r>
-                      <a:endParaRPr lang="en-US" altLang="zh-CN" b="0">
-                        <a:solidFill>
-                          <a:schemeClr val="tx1"/>
-                        </a:solidFill>
-                      </a:endParaRPr>
                     </a:p>
                   </a:txBody>
                   <a:tcPr>
@@ -17395,6 +17031,7 @@
                 <a:tc>
                   <a:txBody>
                     <a:bodyPr/>
+                    <a:lstStyle/>
                     <a:p>
                       <a:pPr algn="ctr">
                         <a:buNone/>
@@ -17407,11 +17044,6 @@
                         </a:rPr>
                         <a:t>陈子卿</a:t>
                       </a:r>
-                      <a:endParaRPr lang="zh-CN" altLang="en-US">
-                        <a:solidFill>
-                          <a:schemeClr val="tx1"/>
-                        </a:solidFill>
-                      </a:endParaRPr>
                     </a:p>
                   </a:txBody>
                   <a:tcPr/>
@@ -17419,6 +17051,7 @@
                 <a:tc>
                   <a:txBody>
                     <a:bodyPr/>
+                    <a:lstStyle/>
                     <a:p>
                       <a:pPr marL="457200" indent="-457200" algn="l">
                         <a:buFont typeface="+mj-lt"/>
@@ -17651,13 +17284,6 @@
                         </a:rPr>
                         <a:t>》</a:t>
                       </a:r>
-                      <a:endParaRPr lang="zh-CN" altLang="en-US" sz="1400" b="0" dirty="0" smtClean="0">
-                        <a:solidFill>
-                          <a:schemeClr val="tx1"/>
-                        </a:solidFill>
-                        <a:latin typeface="+mn-ea"/>
-                        <a:ea typeface="+mn-ea"/>
-                      </a:endParaRPr>
                     </a:p>
                     <a:p>
                       <a:pPr marL="457200" indent="-457200" algn="l">
@@ -17734,13 +17360,6 @@
                         </a:rPr>
                         <a:t>的接口以及测试要点部分</a:t>
                       </a:r>
-                      <a:endParaRPr lang="zh-CN" altLang="en-US" sz="1400" dirty="0" smtClean="0">
-                        <a:solidFill>
-                          <a:schemeClr val="tx1"/>
-                        </a:solidFill>
-                        <a:latin typeface="+mn-ea"/>
-                        <a:sym typeface="+mn-ea"/>
-                      </a:endParaRPr>
                     </a:p>
                     <a:p>
                       <a:pPr marL="457200" indent="-457200" algn="l">
@@ -17758,14 +17377,6 @@
                         </a:rPr>
                         <a:t>负责选择识别方法模块</a:t>
                       </a:r>
-                      <a:endParaRPr lang="zh-CN" altLang="en-US" sz="1400" b="0" dirty="0" smtClean="0">
-                        <a:solidFill>
-                          <a:schemeClr val="tx1"/>
-                        </a:solidFill>
-                        <a:latin typeface="+mn-ea"/>
-                        <a:ea typeface="+mn-ea"/>
-                        <a:sym typeface="+mn-ea"/>
-                      </a:endParaRPr>
                     </a:p>
                   </a:txBody>
                   <a:tcPr/>
@@ -17773,6 +17384,7 @@
                 <a:tc>
                   <a:txBody>
                     <a:bodyPr/>
+                    <a:lstStyle/>
                     <a:p>
                       <a:pPr algn="ctr">
                         <a:buNone/>
@@ -17785,11 +17397,6 @@
                         </a:rPr>
                         <a:t>9.4</a:t>
                       </a:r>
-                      <a:endParaRPr lang="en-US" altLang="zh-CN">
-                        <a:solidFill>
-                          <a:schemeClr val="tx1"/>
-                        </a:solidFill>
-                      </a:endParaRPr>
                     </a:p>
                   </a:txBody>
                   <a:tcPr/>
@@ -17799,6 +17406,7 @@
                 <a:tc>
                   <a:txBody>
                     <a:bodyPr/>
+                    <a:lstStyle/>
                     <a:p>
                       <a:pPr algn="ctr">
                         <a:buNone/>
@@ -17811,11 +17419,6 @@
                         </a:rPr>
                         <a:t>蔡峰</a:t>
                       </a:r>
-                      <a:endParaRPr lang="zh-CN" altLang="en-US">
-                        <a:solidFill>
-                          <a:schemeClr val="tx1"/>
-                        </a:solidFill>
-                      </a:endParaRPr>
                     </a:p>
                   </a:txBody>
                   <a:tcPr>
@@ -17830,6 +17433,7 @@
                 <a:tc>
                   <a:txBody>
                     <a:bodyPr/>
+                    <a:lstStyle/>
                     <a:p>
                       <a:pPr marL="457200" indent="-457200" algn="l">
                         <a:buFont typeface="+mj-lt"/>
@@ -17895,13 +17499,6 @@
                         </a:rPr>
                         <a:t>的编写</a:t>
                       </a:r>
-                      <a:endParaRPr lang="zh-CN" altLang="en-US" sz="1400" b="0" dirty="0" smtClean="0">
-                        <a:solidFill>
-                          <a:schemeClr val="tx1"/>
-                        </a:solidFill>
-                        <a:latin typeface="+mn-ea"/>
-                        <a:ea typeface="+mn-ea"/>
-                      </a:endParaRPr>
                     </a:p>
                     <a:p>
                       <a:pPr marL="457200" marR="0" indent="-457200" algn="l" defTabSz="1088390" rtl="0" eaLnBrk="1" fontAlgn="auto" latinLnBrk="0" hangingPunct="1">
@@ -17990,13 +17587,6 @@
                         </a:rPr>
                         <a:t>剩下的内容</a:t>
                       </a:r>
-                      <a:endParaRPr lang="zh-CN" altLang="en-US" sz="1400" dirty="0" smtClean="0">
-                        <a:solidFill>
-                          <a:schemeClr val="tx1"/>
-                        </a:solidFill>
-                        <a:latin typeface="+mn-ea"/>
-                        <a:sym typeface="+mn-ea"/>
-                      </a:endParaRPr>
                     </a:p>
                     <a:p>
                       <a:pPr marL="457200" marR="0" indent="-457200" algn="l" defTabSz="1088390" rtl="0" eaLnBrk="1" fontAlgn="auto" latinLnBrk="0" hangingPunct="1">
@@ -18025,13 +17615,6 @@
                         </a:rPr>
                         <a:t>整合文档，修改排版</a:t>
                       </a:r>
-                      <a:endParaRPr lang="zh-CN" altLang="en-US" sz="1400" dirty="0" smtClean="0">
-                        <a:solidFill>
-                          <a:schemeClr val="tx1"/>
-                        </a:solidFill>
-                        <a:latin typeface="+mn-ea"/>
-                        <a:sym typeface="+mn-ea"/>
-                      </a:endParaRPr>
                     </a:p>
                     <a:p>
                       <a:pPr marL="457200" marR="0" indent="-457200" algn="l" defTabSz="1088390" rtl="0" eaLnBrk="1" fontAlgn="auto" latinLnBrk="0" hangingPunct="1">
@@ -18061,14 +17644,6 @@
                         </a:rPr>
                         <a:t>负责识别图像模块</a:t>
                       </a:r>
-                      <a:endParaRPr lang="zh-CN" altLang="en-US" sz="1400" b="0" dirty="0" smtClean="0">
-                        <a:solidFill>
-                          <a:schemeClr val="tx1"/>
-                        </a:solidFill>
-                        <a:latin typeface="+mn-ea"/>
-                        <a:ea typeface="+mn-ea"/>
-                        <a:sym typeface="+mn-ea"/>
-                      </a:endParaRPr>
                     </a:p>
                     <a:p>
                       <a:pPr marL="457200" indent="-457200" algn="l">
@@ -18104,6 +17679,7 @@
                 <a:tc>
                   <a:txBody>
                     <a:bodyPr/>
+                    <a:lstStyle/>
                     <a:p>
                       <a:pPr algn="ctr">
                         <a:buNone/>
@@ -18116,11 +17692,6 @@
                         </a:rPr>
                         <a:t>9.5</a:t>
                       </a:r>
-                      <a:endParaRPr lang="en-US" altLang="zh-CN" dirty="0">
-                        <a:solidFill>
-                          <a:schemeClr val="tx1"/>
-                        </a:solidFill>
-                      </a:endParaRPr>
                     </a:p>
                   </a:txBody>
                   <a:tcPr>
@@ -18300,26 +17871,21 @@
               </a:rPr>
               <a:t>总体设计文件（数据库设计结果）</a:t>
             </a:r>
-            <a:endParaRPr lang="zh-CN" sz="2665" dirty="0" smtClean="0">
-              <a:solidFill>
-                <a:srgbClr val="183A5D"/>
-              </a:solidFill>
-              <a:latin typeface="微软雅黑" panose="020B0503020204020204" pitchFamily="34" charset="-122"/>
-              <a:ea typeface="微软雅黑" panose="020B0503020204020204" pitchFamily="34" charset="-122"/>
-            </a:endParaRPr>
           </a:p>
         </p:txBody>
       </p:sp>
       <p:pic>
         <p:nvPicPr>
-          <p:cNvPr id="7" name="图片 6"/>
+          <p:cNvPr id="7" name="图片 6">
+            <a:hlinkClick r:id="rId2" action="ppaction://hlinkfile"/>
+          </p:cNvPr>
           <p:cNvPicPr>
             <a:picLocks noChangeAspect="1"/>
           </p:cNvPicPr>
           <p:nvPr/>
         </p:nvPicPr>
         <p:blipFill>
-          <a:blip r:embed="rId1"/>
+          <a:blip r:embed="rId3"/>
           <a:stretch>
             <a:fillRect/>
           </a:stretch>
@@ -18497,34 +18063,29 @@
               </a:rPr>
               <a:t>总体设计文件（用户手册）</a:t>
             </a:r>
-            <a:endParaRPr lang="zh-CN" sz="2665" dirty="0" smtClean="0">
-              <a:solidFill>
-                <a:srgbClr val="183A5D"/>
-              </a:solidFill>
-              <a:latin typeface="微软雅黑" panose="020B0503020204020204" pitchFamily="34" charset="-122"/>
-              <a:ea typeface="微软雅黑" panose="020B0503020204020204" pitchFamily="34" charset="-122"/>
-            </a:endParaRPr>
           </a:p>
         </p:txBody>
       </p:sp>
       <p:pic>
         <p:nvPicPr>
-          <p:cNvPr id="5" name="图片 4"/>
+          <p:cNvPr id="5" name="图片 4">
+            <a:hlinkClick r:id="rId2" action="ppaction://hlinkfile"/>
+          </p:cNvPr>
           <p:cNvPicPr>
             <a:picLocks noChangeAspect="1"/>
           </p:cNvPicPr>
           <p:nvPr/>
         </p:nvPicPr>
         <p:blipFill>
-          <a:blip r:embed="rId1"/>
+          <a:blip r:embed="rId3"/>
           <a:stretch>
             <a:fillRect/>
           </a:stretch>
         </p:blipFill>
         <p:spPr>
           <a:xfrm>
-            <a:off x="1276985" y="1469390"/>
-            <a:ext cx="9329420" cy="5194300"/>
+            <a:off x="1043124" y="661344"/>
+            <a:ext cx="9950829" cy="5540279"/>
           </a:xfrm>
           <a:prstGeom prst="rect">
             <a:avLst/>
@@ -18800,9 +18361,11 @@
       </a:bgFillStyleLst>
     </a:fmtScheme>
   </a:themeElements>
+  <a:objectDefaults/>
+  <a:extraClrSchemeLst/>
   <a:extLst>
     <a:ext uri="{05A4C25C-085E-4340-85A3-A5531E510DB2}">
-      <thm15:themeFamily xmlns:thm15="http://schemas.microsoft.com/office/thememl/2012/main" name="Office Theme" id="{62F939B6-93AF-4DB8-9C6B-D6C7DFDC589F}" vid="{4A3C46E8-61CC-4603-A589-7422A47A8E4A}"/>
+      <thm15:themeFamily xmlns:thm15="http://schemas.microsoft.com/office/thememl/2012/main" xmlns="" name="Office Theme" id="{62F939B6-93AF-4DB8-9C6B-D6C7DFDC589F}" vid="{4A3C46E8-61CC-4603-A589-7422A47A8E4A}"/>
     </a:ext>
   </a:extLst>
 </a:theme>
@@ -19059,9 +18622,11 @@
       </a:bgFillStyleLst>
     </a:fmtScheme>
   </a:themeElements>
+  <a:objectDefaults/>
+  <a:extraClrSchemeLst/>
   <a:extLst>
     <a:ext uri="{05A4C25C-085E-4340-85A3-A5531E510DB2}">
-      <thm15:themeFamily xmlns:thm15="http://schemas.microsoft.com/office/thememl/2012/main" name="Office Theme" id="{62F939B6-93AF-4DB8-9C6B-D6C7DFDC589F}" vid="{4A3C46E8-61CC-4603-A589-7422A47A8E4A}"/>
+      <thm15:themeFamily xmlns:thm15="http://schemas.microsoft.com/office/thememl/2012/main" xmlns="" name="Office Theme" id="{62F939B6-93AF-4DB8-9C6B-D6C7DFDC589F}" vid="{4A3C46E8-61CC-4603-A589-7422A47A8E4A}"/>
     </a:ext>
   </a:extLst>
 </a:theme>
